--- a/output/modernWorship/How-Great-is-Our-God.pptx
+++ b/output/modernWorship/How-Great-is-Our-God.pptx
@@ -4022,7 +4022,7 @@
             </a:r>
             <a:br/>
             <a:r>
-              <a:t>The Godhead three in one </a:t>
+              <a:t>The Godhead three in one</a:t>
             </a:r>
             <a:br/>
             <a:r>
